--- a/1. Core Java 8/Day 3/Slides/5. A Closer Look at Methods/a-closer-look-at-methods-slides.pptx
+++ b/1. Core Java 8/Day 3/Slides/5. A Closer Look at Methods/a-closer-look-at-methods-slides.pptx
@@ -36038,8 +36038,8 @@
         </p:nvSpPr>
         <p:spPr>
           <a:xfrm>
-            <a:off x="5226048" y="2373883"/>
-            <a:ext cx="5648325" cy="1790700"/>
+            <a:off x="5226050" y="2373630"/>
+            <a:ext cx="6415405" cy="1793875"/>
           </a:xfrm>
           <a:prstGeom prst="rect">
             <a:avLst/>
@@ -36178,7 +36178,17 @@
                 <a:latin typeface="Verdana" panose="020B0604030504040204"/>
                 <a:cs typeface="Verdana" panose="020B0604030504040204"/>
               </a:rPr>
-              <a:t>ellipse</a:t>
+              <a:t>ellips</a:t>
+            </a:r>
+            <a:r>
+              <a:rPr lang="en-US" sz="2400" spc="-15" dirty="0">
+                <a:solidFill>
+                  <a:srgbClr val="F05A28"/>
+                </a:solidFill>
+                <a:latin typeface="Verdana" panose="020B0604030504040204"/>
+                <a:cs typeface="Verdana" panose="020B0604030504040204"/>
+              </a:rPr>
+              <a:t>is</a:t>
             </a:r>
             <a:r>
               <a:rPr sz="2400" spc="-120" dirty="0">
